--- a/azure/cloud-architecture-m3_scalability.pptx
+++ b/azure/cloud-architecture-m3_scalability.pptx
@@ -228,7 +228,7 @@
           <a:p>
             <a:fld id="{BE1B5227-671A-4331-BA8E-6A194D65408B}" type="datetimeFigureOut">
               <a:rPr lang="en-US" smtClean="0"/>
-              <a:t>12/8/2017</a:t>
+              <a:t>1/16/2018</a:t>
             </a:fld>
             <a:endParaRPr lang="en-US"/>
           </a:p>
@@ -393,7 +393,7 @@
           <a:p>
             <a:fld id="{27872E6B-C85C-424E-AD51-4389090A2C7D}" type="datetimeFigureOut">
               <a:rPr lang="en-US" smtClean="0"/>
-              <a:t>12/8/2017</a:t>
+              <a:t>1/16/2018</a:t>
             </a:fld>
             <a:endParaRPr lang="en-US"/>
           </a:p>
@@ -5967,13 +5967,13 @@
   <p:clrMapOvr>
     <a:masterClrMapping/>
   </p:clrMapOvr>
-  <mc:AlternateContent xmlns:mc="http://schemas.openxmlformats.org/markup-compatibility/2006" xmlns:p159="http://schemas.microsoft.com/office/powerpoint/2015/09/main">
-    <mc:Choice Requires="p159">
+  <mc:AlternateContent xmlns:mc="http://schemas.openxmlformats.org/markup-compatibility/2006">
+    <mc:Choice xmlns:p159="http://schemas.microsoft.com/office/powerpoint/2015/09/main" Requires="p159">
       <p:transition xmlns:p14="http://schemas.microsoft.com/office/powerpoint/2010/main" spd="slow" p14:dur="59000">
         <p159:morph option="byObject"/>
       </p:transition>
     </mc:Choice>
-    <mc:Fallback xmlns="">
+    <mc:Fallback>
       <p:transition spd="slow">
         <p:fade/>
       </p:transition>
@@ -9789,7 +9789,7 @@
         </p:nvGraphicFramePr>
         <p:xfrm>
           <a:off x="917225" y="1828800"/>
-          <a:ext cx="2551110" cy="914400"/>
+          <a:ext cx="2551110" cy="741680"/>
         </p:xfrm>
         <a:graphic>
           <a:graphicData uri="http://schemas.openxmlformats.org/drawingml/2006/table">
@@ -9984,7 +9984,7 @@
         </p:nvGraphicFramePr>
         <p:xfrm>
           <a:off x="4826280" y="1825625"/>
-          <a:ext cx="2555875" cy="914400"/>
+          <a:ext cx="2555875" cy="741680"/>
         </p:xfrm>
         <a:graphic>
           <a:graphicData uri="http://schemas.openxmlformats.org/drawingml/2006/table">
@@ -10328,7 +10328,7 @@
         </p:nvGraphicFramePr>
         <p:xfrm>
           <a:off x="661915" y="3184511"/>
-          <a:ext cx="1020444" cy="914400"/>
+          <a:ext cx="1020444" cy="741680"/>
         </p:xfrm>
         <a:graphic>
           <a:graphicData uri="http://schemas.openxmlformats.org/drawingml/2006/table">
@@ -10432,7 +10432,7 @@
         </p:nvGraphicFramePr>
         <p:xfrm>
           <a:off x="2441896" y="3181335"/>
-          <a:ext cx="1530666" cy="914400"/>
+          <a:ext cx="1530666" cy="741680"/>
         </p:xfrm>
         <a:graphic>
           <a:graphicData uri="http://schemas.openxmlformats.org/drawingml/2006/table">
@@ -10596,7 +10596,7 @@
         </p:nvGraphicFramePr>
         <p:xfrm>
           <a:off x="8211704" y="1825625"/>
-          <a:ext cx="1530666" cy="914400"/>
+          <a:ext cx="1530666" cy="741680"/>
         </p:xfrm>
         <a:graphic>
           <a:graphicData uri="http://schemas.openxmlformats.org/drawingml/2006/table">
@@ -10730,7 +10730,7 @@
         </p:nvGraphicFramePr>
         <p:xfrm>
           <a:off x="10144265" y="1825625"/>
-          <a:ext cx="1530666" cy="914400"/>
+          <a:ext cx="1530666" cy="741680"/>
         </p:xfrm>
         <a:graphic>
           <a:graphicData uri="http://schemas.openxmlformats.org/drawingml/2006/table">
@@ -20990,13 +20990,13 @@
   <p:clrMapOvr>
     <a:masterClrMapping/>
   </p:clrMapOvr>
-  <mc:AlternateContent xmlns:mc="http://schemas.openxmlformats.org/markup-compatibility/2006" xmlns:p159="http://schemas.microsoft.com/office/powerpoint/2015/09/main">
-    <mc:Choice Requires="p159">
+  <mc:AlternateContent xmlns:mc="http://schemas.openxmlformats.org/markup-compatibility/2006">
+    <mc:Choice xmlns:p159="http://schemas.microsoft.com/office/powerpoint/2015/09/main" Requires="p159">
       <p:transition spd="slow">
         <p159:morph option="byObject"/>
       </p:transition>
     </mc:Choice>
-    <mc:Fallback xmlns="">
+    <mc:Fallback>
       <p:transition spd="slow">
         <p:fade/>
       </p:transition>
